--- a/Will/disc03/disc03.pptx
+++ b/Will/disc03/disc03.pptx
@@ -70,13 +70,13 @@
         </a:solidFill>
         <a:effectLst/>
         <a:uFillTx/>
-        <a:latin typeface="+mn-lt"/>
-        <a:ea typeface="+mn-ea"/>
-        <a:cs typeface="+mn-cs"/>
+        <a:latin typeface="Avenir Next"/>
+        <a:ea typeface="Avenir Next"/>
+        <a:cs typeface="Avenir Next"/>
         <a:sym typeface="Avenir Next"/>
       </a:defRPr>
     </a:lvl1pPr>
-    <a:lvl2pPr marL="0" marR="0" indent="228600" algn="l" defTabSz="825500" rtl="0" fontAlgn="auto" latinLnBrk="0" hangingPunct="0">
+    <a:lvl2pPr marL="0" marR="0" indent="0" algn="l" defTabSz="825500" rtl="0" fontAlgn="auto" latinLnBrk="0" hangingPunct="0">
       <a:lnSpc>
         <a:spcPct val="100000"/>
       </a:lnSpc>
@@ -100,13 +100,13 @@
         </a:solidFill>
         <a:effectLst/>
         <a:uFillTx/>
-        <a:latin typeface="+mn-lt"/>
-        <a:ea typeface="+mn-ea"/>
-        <a:cs typeface="+mn-cs"/>
+        <a:latin typeface="Avenir Next"/>
+        <a:ea typeface="Avenir Next"/>
+        <a:cs typeface="Avenir Next"/>
         <a:sym typeface="Avenir Next"/>
       </a:defRPr>
     </a:lvl2pPr>
-    <a:lvl3pPr marL="0" marR="0" indent="457200" algn="l" defTabSz="825500" rtl="0" fontAlgn="auto" latinLnBrk="0" hangingPunct="0">
+    <a:lvl3pPr marL="0" marR="0" indent="0" algn="l" defTabSz="825500" rtl="0" fontAlgn="auto" latinLnBrk="0" hangingPunct="0">
       <a:lnSpc>
         <a:spcPct val="100000"/>
       </a:lnSpc>
@@ -130,13 +130,13 @@
         </a:solidFill>
         <a:effectLst/>
         <a:uFillTx/>
-        <a:latin typeface="+mn-lt"/>
-        <a:ea typeface="+mn-ea"/>
-        <a:cs typeface="+mn-cs"/>
+        <a:latin typeface="Avenir Next"/>
+        <a:ea typeface="Avenir Next"/>
+        <a:cs typeface="Avenir Next"/>
         <a:sym typeface="Avenir Next"/>
       </a:defRPr>
     </a:lvl3pPr>
-    <a:lvl4pPr marL="0" marR="0" indent="685800" algn="l" defTabSz="825500" rtl="0" fontAlgn="auto" latinLnBrk="0" hangingPunct="0">
+    <a:lvl4pPr marL="0" marR="0" indent="0" algn="l" defTabSz="825500" rtl="0" fontAlgn="auto" latinLnBrk="0" hangingPunct="0">
       <a:lnSpc>
         <a:spcPct val="100000"/>
       </a:lnSpc>
@@ -160,13 +160,13 @@
         </a:solidFill>
         <a:effectLst/>
         <a:uFillTx/>
-        <a:latin typeface="+mn-lt"/>
-        <a:ea typeface="+mn-ea"/>
-        <a:cs typeface="+mn-cs"/>
+        <a:latin typeface="Avenir Next"/>
+        <a:ea typeface="Avenir Next"/>
+        <a:cs typeface="Avenir Next"/>
         <a:sym typeface="Avenir Next"/>
       </a:defRPr>
     </a:lvl4pPr>
-    <a:lvl5pPr marL="0" marR="0" indent="914400" algn="l" defTabSz="825500" rtl="0" fontAlgn="auto" latinLnBrk="0" hangingPunct="0">
+    <a:lvl5pPr marL="0" marR="0" indent="0" algn="l" defTabSz="825500" rtl="0" fontAlgn="auto" latinLnBrk="0" hangingPunct="0">
       <a:lnSpc>
         <a:spcPct val="100000"/>
       </a:lnSpc>
@@ -190,13 +190,13 @@
         </a:solidFill>
         <a:effectLst/>
         <a:uFillTx/>
-        <a:latin typeface="+mn-lt"/>
-        <a:ea typeface="+mn-ea"/>
-        <a:cs typeface="+mn-cs"/>
+        <a:latin typeface="Avenir Next"/>
+        <a:ea typeface="Avenir Next"/>
+        <a:cs typeface="Avenir Next"/>
         <a:sym typeface="Avenir Next"/>
       </a:defRPr>
     </a:lvl5pPr>
-    <a:lvl6pPr marL="0" marR="0" indent="1143000" algn="l" defTabSz="825500" rtl="0" fontAlgn="auto" latinLnBrk="0" hangingPunct="0">
+    <a:lvl6pPr marL="0" marR="0" indent="0" algn="l" defTabSz="825500" rtl="0" fontAlgn="auto" latinLnBrk="0" hangingPunct="0">
       <a:lnSpc>
         <a:spcPct val="100000"/>
       </a:lnSpc>
@@ -220,13 +220,13 @@
         </a:solidFill>
         <a:effectLst/>
         <a:uFillTx/>
-        <a:latin typeface="+mn-lt"/>
-        <a:ea typeface="+mn-ea"/>
-        <a:cs typeface="+mn-cs"/>
+        <a:latin typeface="Avenir Next"/>
+        <a:ea typeface="Avenir Next"/>
+        <a:cs typeface="Avenir Next"/>
         <a:sym typeface="Avenir Next"/>
       </a:defRPr>
     </a:lvl6pPr>
-    <a:lvl7pPr marL="0" marR="0" indent="1371600" algn="l" defTabSz="825500" rtl="0" fontAlgn="auto" latinLnBrk="0" hangingPunct="0">
+    <a:lvl7pPr marL="0" marR="0" indent="0" algn="l" defTabSz="825500" rtl="0" fontAlgn="auto" latinLnBrk="0" hangingPunct="0">
       <a:lnSpc>
         <a:spcPct val="100000"/>
       </a:lnSpc>
@@ -250,13 +250,13 @@
         </a:solidFill>
         <a:effectLst/>
         <a:uFillTx/>
-        <a:latin typeface="+mn-lt"/>
-        <a:ea typeface="+mn-ea"/>
-        <a:cs typeface="+mn-cs"/>
+        <a:latin typeface="Avenir Next"/>
+        <a:ea typeface="Avenir Next"/>
+        <a:cs typeface="Avenir Next"/>
         <a:sym typeface="Avenir Next"/>
       </a:defRPr>
     </a:lvl7pPr>
-    <a:lvl8pPr marL="0" marR="0" indent="1600200" algn="l" defTabSz="825500" rtl="0" fontAlgn="auto" latinLnBrk="0" hangingPunct="0">
+    <a:lvl8pPr marL="0" marR="0" indent="0" algn="l" defTabSz="825500" rtl="0" fontAlgn="auto" latinLnBrk="0" hangingPunct="0">
       <a:lnSpc>
         <a:spcPct val="100000"/>
       </a:lnSpc>
@@ -280,13 +280,13 @@
         </a:solidFill>
         <a:effectLst/>
         <a:uFillTx/>
-        <a:latin typeface="+mn-lt"/>
-        <a:ea typeface="+mn-ea"/>
-        <a:cs typeface="+mn-cs"/>
+        <a:latin typeface="Avenir Next"/>
+        <a:ea typeface="Avenir Next"/>
+        <a:cs typeface="Avenir Next"/>
         <a:sym typeface="Avenir Next"/>
       </a:defRPr>
     </a:lvl8pPr>
-    <a:lvl9pPr marL="0" marR="0" indent="1828800" algn="l" defTabSz="825500" rtl="0" fontAlgn="auto" latinLnBrk="0" hangingPunct="0">
+    <a:lvl9pPr marL="0" marR="0" indent="0" algn="l" defTabSz="825500" rtl="0" fontAlgn="auto" latinLnBrk="0" hangingPunct="0">
       <a:lnSpc>
         <a:spcPct val="100000"/>
       </a:lnSpc>
@@ -310,9 +310,9 @@
         </a:solidFill>
         <a:effectLst/>
         <a:uFillTx/>
-        <a:latin typeface="+mn-lt"/>
-        <a:ea typeface="+mn-ea"/>
-        <a:cs typeface="+mn-cs"/>
+        <a:latin typeface="Avenir Next"/>
+        <a:ea typeface="Avenir Next"/>
+        <a:cs typeface="Avenir Next"/>
         <a:sym typeface="Avenir Next"/>
       </a:defRPr>
     </a:lvl9pPr>
@@ -400,9 +400,9 @@
         <a:spcPct val="117999"/>
       </a:lnSpc>
       <a:defRPr sz="2200">
-        <a:latin typeface="Helvetica Neue"/>
-        <a:ea typeface="Helvetica Neue"/>
-        <a:cs typeface="Helvetica Neue"/>
+        <a:latin typeface="+mj-lt"/>
+        <a:ea typeface="+mj-ea"/>
+        <a:cs typeface="+mj-cs"/>
         <a:sym typeface="Helvetica Neue"/>
       </a:defRPr>
     </a:lvl1pPr>
@@ -411,9 +411,9 @@
         <a:spcPct val="117999"/>
       </a:lnSpc>
       <a:defRPr sz="2200">
-        <a:latin typeface="Helvetica Neue"/>
-        <a:ea typeface="Helvetica Neue"/>
-        <a:cs typeface="Helvetica Neue"/>
+        <a:latin typeface="+mj-lt"/>
+        <a:ea typeface="+mj-ea"/>
+        <a:cs typeface="+mj-cs"/>
         <a:sym typeface="Helvetica Neue"/>
       </a:defRPr>
     </a:lvl2pPr>
@@ -422,9 +422,9 @@
         <a:spcPct val="117999"/>
       </a:lnSpc>
       <a:defRPr sz="2200">
-        <a:latin typeface="Helvetica Neue"/>
-        <a:ea typeface="Helvetica Neue"/>
-        <a:cs typeface="Helvetica Neue"/>
+        <a:latin typeface="+mj-lt"/>
+        <a:ea typeface="+mj-ea"/>
+        <a:cs typeface="+mj-cs"/>
         <a:sym typeface="Helvetica Neue"/>
       </a:defRPr>
     </a:lvl3pPr>
@@ -433,9 +433,9 @@
         <a:spcPct val="117999"/>
       </a:lnSpc>
       <a:defRPr sz="2200">
-        <a:latin typeface="Helvetica Neue"/>
-        <a:ea typeface="Helvetica Neue"/>
-        <a:cs typeface="Helvetica Neue"/>
+        <a:latin typeface="+mj-lt"/>
+        <a:ea typeface="+mj-ea"/>
+        <a:cs typeface="+mj-cs"/>
         <a:sym typeface="Helvetica Neue"/>
       </a:defRPr>
     </a:lvl4pPr>
@@ -444,9 +444,9 @@
         <a:spcPct val="117999"/>
       </a:lnSpc>
       <a:defRPr sz="2200">
-        <a:latin typeface="Helvetica Neue"/>
-        <a:ea typeface="Helvetica Neue"/>
-        <a:cs typeface="Helvetica Neue"/>
+        <a:latin typeface="+mj-lt"/>
+        <a:ea typeface="+mj-ea"/>
+        <a:cs typeface="+mj-cs"/>
         <a:sym typeface="Helvetica Neue"/>
       </a:defRPr>
     </a:lvl5pPr>
@@ -455,9 +455,9 @@
         <a:spcPct val="117999"/>
       </a:lnSpc>
       <a:defRPr sz="2200">
-        <a:latin typeface="Helvetica Neue"/>
-        <a:ea typeface="Helvetica Neue"/>
-        <a:cs typeface="Helvetica Neue"/>
+        <a:latin typeface="+mj-lt"/>
+        <a:ea typeface="+mj-ea"/>
+        <a:cs typeface="+mj-cs"/>
         <a:sym typeface="Helvetica Neue"/>
       </a:defRPr>
     </a:lvl6pPr>
@@ -466,9 +466,9 @@
         <a:spcPct val="117999"/>
       </a:lnSpc>
       <a:defRPr sz="2200">
-        <a:latin typeface="Helvetica Neue"/>
-        <a:ea typeface="Helvetica Neue"/>
-        <a:cs typeface="Helvetica Neue"/>
+        <a:latin typeface="+mj-lt"/>
+        <a:ea typeface="+mj-ea"/>
+        <a:cs typeface="+mj-cs"/>
         <a:sym typeface="Helvetica Neue"/>
       </a:defRPr>
     </a:lvl7pPr>
@@ -477,9 +477,9 @@
         <a:spcPct val="117999"/>
       </a:lnSpc>
       <a:defRPr sz="2200">
-        <a:latin typeface="Helvetica Neue"/>
-        <a:ea typeface="Helvetica Neue"/>
-        <a:cs typeface="Helvetica Neue"/>
+        <a:latin typeface="+mj-lt"/>
+        <a:ea typeface="+mj-ea"/>
+        <a:cs typeface="+mj-cs"/>
         <a:sym typeface="Helvetica Neue"/>
       </a:defRPr>
     </a:lvl8pPr>
@@ -488,9 +488,9 @@
         <a:spcPct val="117999"/>
       </a:lnSpc>
       <a:defRPr sz="2200">
-        <a:latin typeface="Helvetica Neue"/>
-        <a:ea typeface="Helvetica Neue"/>
-        <a:cs typeface="Helvetica Neue"/>
+        <a:latin typeface="+mj-lt"/>
+        <a:ea typeface="+mj-ea"/>
+        <a:cs typeface="+mj-cs"/>
         <a:sym typeface="Helvetica Neue"/>
       </a:defRPr>
     </a:lvl9pPr>
@@ -534,9 +534,7 @@
         </p:spPr>
         <p:txBody>
           <a:bodyPr anchor="b"/>
-          <a:lstStyle>
-            <a:lvl1pPr algn="l"/>
-          </a:lstStyle>
+          <a:lstStyle/>
           <a:p>
             <a:pPr/>
             <a:r>
@@ -556,7 +554,7 @@
         <p:spPr>
           <a:xfrm>
             <a:off x="1778000" y="7073900"/>
-            <a:ext cx="20828000" cy="5522276"/>
+            <a:ext cx="20828000" cy="5522277"/>
           </a:xfrm>
           <a:prstGeom prst="rect">
             <a:avLst/>
@@ -571,7 +569,6 @@
               </a:spcBef>
               <a:buSzTx/>
               <a:buNone/>
-              <a:defRPr sz="5400"/>
             </a:lvl1pPr>
             <a:lvl2pPr marL="0" indent="0">
               <a:spcBef>
@@ -579,7 +576,6 @@
               </a:spcBef>
               <a:buSzTx/>
               <a:buNone/>
-              <a:defRPr sz="5400"/>
             </a:lvl2pPr>
             <a:lvl3pPr marL="0" indent="0">
               <a:spcBef>
@@ -587,7 +583,6 @@
               </a:spcBef>
               <a:buSzTx/>
               <a:buNone/>
-              <a:defRPr sz="5400"/>
             </a:lvl3pPr>
             <a:lvl4pPr marL="0" indent="0">
               <a:spcBef>
@@ -595,7 +590,6 @@
               </a:spcBef>
               <a:buSzTx/>
               <a:buNone/>
-              <a:defRPr sz="5400"/>
             </a:lvl4pPr>
             <a:lvl5pPr marL="0" indent="0">
               <a:spcBef>
@@ -603,7 +597,6 @@
               </a:spcBef>
               <a:buSzTx/>
               <a:buNone/>
-              <a:defRPr sz="5400"/>
             </a:lvl5pPr>
           </a:lstStyle>
           <a:p>
@@ -688,10 +681,10 @@
       </p:grpSpPr>
       <p:sp>
         <p:nvSpPr>
-          <p:cNvPr id="93" name="–Johnny Appleseed"/>
+          <p:cNvPr id="93" name="Body Level One…"/>
           <p:cNvSpPr txBox="1"/>
           <p:nvPr>
-            <p:ph type="body" sz="quarter" idx="13"/>
+            <p:ph type="body" sz="quarter" idx="1"/>
           </p:nvPr>
         </p:nvSpPr>
         <p:spPr>
@@ -704,9 +697,7 @@
           </a:prstGeom>
         </p:spPr>
         <p:txBody>
-          <a:bodyPr anchor="t">
-            <a:spAutoFit/>
-          </a:bodyPr>
+          <a:bodyPr anchor="t"/>
           <a:lstStyle>
             <a:lvl1pPr marL="0" indent="0" algn="ctr">
               <a:spcBef>
@@ -716,11 +707,59 @@
               <a:buNone/>
               <a:defRPr i="1" sz="3200"/>
             </a:lvl1pPr>
+            <a:lvl2pPr marL="1025769" indent="-390769" algn="ctr">
+              <a:spcBef>
+                <a:spcPts val="0"/>
+              </a:spcBef>
+              <a:defRPr i="1" sz="3200"/>
+            </a:lvl2pPr>
+            <a:lvl3pPr marL="1660769" indent="-390769" algn="ctr">
+              <a:spcBef>
+                <a:spcPts val="0"/>
+              </a:spcBef>
+              <a:defRPr i="1" sz="3200"/>
+            </a:lvl3pPr>
+            <a:lvl4pPr marL="2295769" indent="-390769" algn="ctr">
+              <a:spcBef>
+                <a:spcPts val="0"/>
+              </a:spcBef>
+              <a:defRPr i="1" sz="3200"/>
+            </a:lvl4pPr>
+            <a:lvl5pPr marL="2930769" indent="-390769" algn="ctr">
+              <a:spcBef>
+                <a:spcPts val="0"/>
+              </a:spcBef>
+              <a:defRPr i="1" sz="3200"/>
+            </a:lvl5pPr>
           </a:lstStyle>
           <a:p>
             <a:pPr/>
             <a:r>
-              <a:t>–Johnny Appleseed</a:t>
+              <a:t>Body Level One</a:t>
+            </a:r>
+          </a:p>
+          <a:p>
+            <a:pPr lvl="1"/>
+            <a:r>
+              <a:t>Body Level Two</a:t>
+            </a:r>
+          </a:p>
+          <a:p>
+            <a:pPr lvl="2"/>
+            <a:r>
+              <a:t>Body Level Three</a:t>
+            </a:r>
+          </a:p>
+          <a:p>
+            <a:pPr lvl="3"/>
+            <a:r>
+              <a:t>Body Level Four</a:t>
+            </a:r>
+          </a:p>
+          <a:p>
+            <a:pPr lvl="4"/>
+            <a:r>
+              <a:t>Body Level Five</a:t>
             </a:r>
           </a:p>
         </p:txBody>
@@ -730,37 +769,30 @@
           <p:cNvPr id="94" name="“Type a quote here.”"/>
           <p:cNvSpPr txBox="1"/>
           <p:nvPr>
-            <p:ph type="body" sz="quarter" idx="14"/>
+            <p:ph type="body" sz="quarter" idx="13"/>
           </p:nvPr>
         </p:nvSpPr>
         <p:spPr>
           <a:xfrm>
-            <a:off x="2387600" y="6019799"/>
-            <a:ext cx="19621500" cy="939801"/>
+            <a:off x="2387600" y="6019798"/>
+            <a:ext cx="19621500" cy="939802"/>
           </a:xfrm>
           <a:prstGeom prst="rect">
             <a:avLst/>
           </a:prstGeom>
         </p:spPr>
         <p:txBody>
-          <a:bodyPr>
-            <a:spAutoFit/>
-          </a:bodyPr>
-          <a:lstStyle>
-            <a:lvl1pPr marL="0" indent="0" algn="ctr">
+          <a:bodyPr/>
+          <a:lstStyle/>
+          <a:p>
+            <a:pPr marL="0" indent="0" algn="ctr">
               <a:spcBef>
                 <a:spcPts val="0"/>
               </a:spcBef>
               <a:buSzTx/>
               <a:buNone/>
               <a:defRPr sz="4800"/>
-            </a:lvl1pPr>
-          </a:lstStyle>
-          <a:p>
-            <a:pPr/>
-            <a:r>
-              <a:t>“Type a quote here.” </a:t>
-            </a:r>
+            </a:pPr>
           </a:p>
         </p:txBody>
       </p:sp>
@@ -823,7 +855,7 @@
         <p:spPr>
           <a:xfrm>
             <a:off x="0" y="0"/>
-            <a:ext cx="24384000" cy="16264467"/>
+            <a:ext cx="24384000" cy="16264468"/>
           </a:xfrm>
           <a:prstGeom prst="rect">
             <a:avLst/>
@@ -946,7 +978,7 @@
         <p:spPr>
           <a:xfrm>
             <a:off x="3124200" y="-38100"/>
-            <a:ext cx="18135600" cy="12096698"/>
+            <a:ext cx="18135600" cy="12096699"/>
           </a:xfrm>
           <a:prstGeom prst="rect">
             <a:avLst/>
@@ -981,7 +1013,9 @@
         </p:spPr>
         <p:txBody>
           <a:bodyPr anchor="b"/>
-          <a:lstStyle/>
+          <a:lstStyle>
+            <a:lvl1pPr algn="ctr"/>
+          </a:lstStyle>
           <a:p>
             <a:pPr/>
             <a:r>
@@ -1016,7 +1050,6 @@
               </a:spcBef>
               <a:buSzTx/>
               <a:buNone/>
-              <a:defRPr sz="5400"/>
             </a:lvl1pPr>
             <a:lvl2pPr marL="0" indent="0" algn="ctr">
               <a:spcBef>
@@ -1024,7 +1057,6 @@
               </a:spcBef>
               <a:buSzTx/>
               <a:buNone/>
-              <a:defRPr sz="5400"/>
             </a:lvl2pPr>
             <a:lvl3pPr marL="0" indent="0" algn="ctr">
               <a:spcBef>
@@ -1032,7 +1064,6 @@
               </a:spcBef>
               <a:buSzTx/>
               <a:buNone/>
-              <a:defRPr sz="5400"/>
             </a:lvl3pPr>
             <a:lvl4pPr marL="0" indent="0" algn="ctr">
               <a:spcBef>
@@ -1040,7 +1071,6 @@
               </a:spcBef>
               <a:buSzTx/>
               <a:buNone/>
-              <a:defRPr sz="5400"/>
             </a:lvl4pPr>
             <a:lvl5pPr marL="0" indent="0" algn="ctr">
               <a:spcBef>
@@ -1048,7 +1078,6 @@
               </a:spcBef>
               <a:buSzTx/>
               <a:buNone/>
-              <a:defRPr sz="5400"/>
             </a:lvl5pPr>
           </a:lstStyle>
           <a:p>
@@ -1150,7 +1179,9 @@
         </p:spPr>
         <p:txBody>
           <a:bodyPr/>
-          <a:lstStyle/>
+          <a:lstStyle>
+            <a:lvl1pPr algn="ctr"/>
+          </a:lstStyle>
           <a:p>
             <a:pPr/>
             <a:r>
@@ -1254,7 +1285,7 @@
         <p:txBody>
           <a:bodyPr anchor="b"/>
           <a:lstStyle>
-            <a:lvl1pPr>
+            <a:lvl1pPr algn="ctr">
               <a:defRPr sz="8400"/>
             </a:lvl1pPr>
           </a:lstStyle>
@@ -1292,7 +1323,6 @@
               </a:spcBef>
               <a:buSzTx/>
               <a:buNone/>
-              <a:defRPr sz="5400"/>
             </a:lvl1pPr>
             <a:lvl2pPr marL="0" indent="0" algn="ctr">
               <a:spcBef>
@@ -1300,7 +1330,6 @@
               </a:spcBef>
               <a:buSzTx/>
               <a:buNone/>
-              <a:defRPr sz="5400"/>
             </a:lvl2pPr>
             <a:lvl3pPr marL="0" indent="0" algn="ctr">
               <a:spcBef>
@@ -1308,7 +1337,6 @@
               </a:spcBef>
               <a:buSzTx/>
               <a:buNone/>
-              <a:defRPr sz="5400"/>
             </a:lvl3pPr>
             <a:lvl4pPr marL="0" indent="0" algn="ctr">
               <a:spcBef>
@@ -1316,7 +1344,6 @@
               </a:spcBef>
               <a:buSzTx/>
               <a:buNone/>
-              <a:defRPr sz="5400"/>
             </a:lvl4pPr>
             <a:lvl5pPr marL="0" indent="0" algn="ctr">
               <a:spcBef>
@@ -1324,7 +1351,6 @@
               </a:spcBef>
               <a:buSzTx/>
               <a:buNone/>
-              <a:defRPr sz="5400"/>
             </a:lvl5pPr>
           </a:lstStyle>
           <a:p>
@@ -1422,7 +1448,9 @@
         </p:spPr>
         <p:txBody>
           <a:bodyPr/>
-          <a:lstStyle/>
+          <a:lstStyle>
+            <a:lvl1pPr algn="ctr"/>
+          </a:lstStyle>
           <a:p>
             <a:pPr/>
             <a:r>
@@ -1494,9 +1522,7 @@
         </p:spPr>
         <p:txBody>
           <a:bodyPr/>
-          <a:lstStyle>
-            <a:lvl1pPr algn="l"/>
-          </a:lstStyle>
+          <a:lstStyle/>
           <a:p>
             <a:pPr/>
             <a:r>
@@ -1520,23 +1546,7 @@
         </p:spPr>
         <p:txBody>
           <a:bodyPr/>
-          <a:lstStyle>
-            <a:lvl1pPr marL="714374" indent="-714374">
-              <a:defRPr sz="5400"/>
-            </a:lvl1pPr>
-            <a:lvl2pPr marL="1425575" indent="-714375">
-              <a:defRPr sz="5400"/>
-            </a:lvl2pPr>
-            <a:lvl3pPr marL="2136775" indent="-714375">
-              <a:defRPr sz="5400"/>
-            </a:lvl3pPr>
-            <a:lvl4pPr marL="2847975" indent="-714375">
-              <a:defRPr sz="5400"/>
-            </a:lvl4pPr>
-            <a:lvl5pPr marL="3559175" indent="-714375">
-              <a:defRPr sz="5400"/>
-            </a:lvl5pPr>
-          </a:lstStyle>
+          <a:lstStyle/>
           <a:p>
             <a:pPr/>
             <a:r>
@@ -1659,7 +1669,9 @@
         </p:spPr>
         <p:txBody>
           <a:bodyPr/>
-          <a:lstStyle/>
+          <a:lstStyle>
+            <a:lvl1pPr algn="ctr"/>
+          </a:lstStyle>
           <a:p>
             <a:pPr/>
             <a:r>
@@ -1818,23 +1830,7 @@
         </p:spPr>
         <p:txBody>
           <a:bodyPr/>
-          <a:lstStyle>
-            <a:lvl1pPr marL="714374" indent="-714374">
-              <a:defRPr sz="5400"/>
-            </a:lvl1pPr>
-            <a:lvl2pPr marL="1425575" indent="-714375">
-              <a:defRPr sz="5400"/>
-            </a:lvl2pPr>
-            <a:lvl3pPr marL="2136775" indent="-714375">
-              <a:defRPr sz="5400"/>
-            </a:lvl3pPr>
-            <a:lvl4pPr marL="2847975" indent="-714375">
-              <a:defRPr sz="5400"/>
-            </a:lvl4pPr>
-            <a:lvl5pPr marL="3559175" indent="-714375">
-              <a:defRPr sz="5400"/>
-            </a:lvl5pPr>
-          </a:lstStyle>
+          <a:lstStyle/>
           <a:p>
             <a:pPr/>
             <a:r>
@@ -1926,7 +1922,7 @@
         <p:spPr>
           <a:xfrm>
             <a:off x="15681340" y="7035800"/>
-            <a:ext cx="8396678" cy="5600700"/>
+            <a:ext cx="8396679" cy="5600700"/>
           </a:xfrm>
           <a:prstGeom prst="rect">
             <a:avLst/>
@@ -2162,7 +2158,7 @@
         <p:spPr>
           <a:xfrm>
             <a:off x="11959031" y="13081000"/>
-            <a:ext cx="453238" cy="461059"/>
+            <a:ext cx="453239" cy="461059"/>
           </a:xfrm>
           <a:prstGeom prst="rect">
             <a:avLst/>
@@ -2214,7 +2210,7 @@
   <p:transition xmlns:p14="http://schemas.microsoft.com/office/powerpoint/2010/main" spd="med" advClick="1"/>
   <p:txStyles>
     <p:titleStyle>
-      <a:lvl1pPr marL="0" marR="0" indent="0" algn="ctr" defTabSz="825500" rtl="0" latinLnBrk="0">
+      <a:lvl1pPr marL="0" marR="0" indent="0" algn="l" defTabSz="825500" rtl="0" latinLnBrk="0">
         <a:lnSpc>
           <a:spcPct val="100000"/>
         </a:lnSpc>
@@ -2234,13 +2230,13 @@
             <a:srgbClr val="000000"/>
           </a:solidFill>
           <a:uFillTx/>
-          <a:latin typeface="+mn-lt"/>
-          <a:ea typeface="+mn-ea"/>
-          <a:cs typeface="+mn-cs"/>
+          <a:latin typeface="Avenir Next"/>
+          <a:ea typeface="Avenir Next"/>
+          <a:cs typeface="Avenir Next"/>
           <a:sym typeface="Avenir Next"/>
         </a:defRPr>
       </a:lvl1pPr>
-      <a:lvl2pPr marL="0" marR="0" indent="0" algn="ctr" defTabSz="825500" rtl="0" latinLnBrk="0">
+      <a:lvl2pPr marL="0" marR="0" indent="0" algn="l" defTabSz="825500" rtl="0" latinLnBrk="0">
         <a:lnSpc>
           <a:spcPct val="100000"/>
         </a:lnSpc>
@@ -2260,13 +2256,13 @@
             <a:srgbClr val="000000"/>
           </a:solidFill>
           <a:uFillTx/>
-          <a:latin typeface="+mn-lt"/>
-          <a:ea typeface="+mn-ea"/>
-          <a:cs typeface="+mn-cs"/>
+          <a:latin typeface="Avenir Next"/>
+          <a:ea typeface="Avenir Next"/>
+          <a:cs typeface="Avenir Next"/>
           <a:sym typeface="Avenir Next"/>
         </a:defRPr>
       </a:lvl2pPr>
-      <a:lvl3pPr marL="0" marR="0" indent="0" algn="ctr" defTabSz="825500" rtl="0" latinLnBrk="0">
+      <a:lvl3pPr marL="0" marR="0" indent="0" algn="l" defTabSz="825500" rtl="0" latinLnBrk="0">
         <a:lnSpc>
           <a:spcPct val="100000"/>
         </a:lnSpc>
@@ -2286,13 +2282,13 @@
             <a:srgbClr val="000000"/>
           </a:solidFill>
           <a:uFillTx/>
-          <a:latin typeface="+mn-lt"/>
-          <a:ea typeface="+mn-ea"/>
-          <a:cs typeface="+mn-cs"/>
+          <a:latin typeface="Avenir Next"/>
+          <a:ea typeface="Avenir Next"/>
+          <a:cs typeface="Avenir Next"/>
           <a:sym typeface="Avenir Next"/>
         </a:defRPr>
       </a:lvl3pPr>
-      <a:lvl4pPr marL="0" marR="0" indent="0" algn="ctr" defTabSz="825500" rtl="0" latinLnBrk="0">
+      <a:lvl4pPr marL="0" marR="0" indent="0" algn="l" defTabSz="825500" rtl="0" latinLnBrk="0">
         <a:lnSpc>
           <a:spcPct val="100000"/>
         </a:lnSpc>
@@ -2312,13 +2308,13 @@
             <a:srgbClr val="000000"/>
           </a:solidFill>
           <a:uFillTx/>
-          <a:latin typeface="+mn-lt"/>
-          <a:ea typeface="+mn-ea"/>
-          <a:cs typeface="+mn-cs"/>
+          <a:latin typeface="Avenir Next"/>
+          <a:ea typeface="Avenir Next"/>
+          <a:cs typeface="Avenir Next"/>
           <a:sym typeface="Avenir Next"/>
         </a:defRPr>
       </a:lvl4pPr>
-      <a:lvl5pPr marL="0" marR="0" indent="0" algn="ctr" defTabSz="825500" rtl="0" latinLnBrk="0">
+      <a:lvl5pPr marL="0" marR="0" indent="0" algn="l" defTabSz="825500" rtl="0" latinLnBrk="0">
         <a:lnSpc>
           <a:spcPct val="100000"/>
         </a:lnSpc>
@@ -2338,13 +2334,13 @@
             <a:srgbClr val="000000"/>
           </a:solidFill>
           <a:uFillTx/>
-          <a:latin typeface="+mn-lt"/>
-          <a:ea typeface="+mn-ea"/>
-          <a:cs typeface="+mn-cs"/>
+          <a:latin typeface="Avenir Next"/>
+          <a:ea typeface="Avenir Next"/>
+          <a:cs typeface="Avenir Next"/>
           <a:sym typeface="Avenir Next"/>
         </a:defRPr>
       </a:lvl5pPr>
-      <a:lvl6pPr marL="0" marR="0" indent="0" algn="ctr" defTabSz="825500" rtl="0" latinLnBrk="0">
+      <a:lvl6pPr marL="0" marR="0" indent="0" algn="l" defTabSz="825500" rtl="0" latinLnBrk="0">
         <a:lnSpc>
           <a:spcPct val="100000"/>
         </a:lnSpc>
@@ -2364,13 +2360,13 @@
             <a:srgbClr val="000000"/>
           </a:solidFill>
           <a:uFillTx/>
-          <a:latin typeface="+mn-lt"/>
-          <a:ea typeface="+mn-ea"/>
-          <a:cs typeface="+mn-cs"/>
+          <a:latin typeface="Avenir Next"/>
+          <a:ea typeface="Avenir Next"/>
+          <a:cs typeface="Avenir Next"/>
           <a:sym typeface="Avenir Next"/>
         </a:defRPr>
       </a:lvl6pPr>
-      <a:lvl7pPr marL="0" marR="0" indent="0" algn="ctr" defTabSz="825500" rtl="0" latinLnBrk="0">
+      <a:lvl7pPr marL="0" marR="0" indent="0" algn="l" defTabSz="825500" rtl="0" latinLnBrk="0">
         <a:lnSpc>
           <a:spcPct val="100000"/>
         </a:lnSpc>
@@ -2390,13 +2386,13 @@
             <a:srgbClr val="000000"/>
           </a:solidFill>
           <a:uFillTx/>
-          <a:latin typeface="+mn-lt"/>
-          <a:ea typeface="+mn-ea"/>
-          <a:cs typeface="+mn-cs"/>
+          <a:latin typeface="Avenir Next"/>
+          <a:ea typeface="Avenir Next"/>
+          <a:cs typeface="Avenir Next"/>
           <a:sym typeface="Avenir Next"/>
         </a:defRPr>
       </a:lvl7pPr>
-      <a:lvl8pPr marL="0" marR="0" indent="0" algn="ctr" defTabSz="825500" rtl="0" latinLnBrk="0">
+      <a:lvl8pPr marL="0" marR="0" indent="0" algn="l" defTabSz="825500" rtl="0" latinLnBrk="0">
         <a:lnSpc>
           <a:spcPct val="100000"/>
         </a:lnSpc>
@@ -2416,13 +2412,13 @@
             <a:srgbClr val="000000"/>
           </a:solidFill>
           <a:uFillTx/>
-          <a:latin typeface="+mn-lt"/>
-          <a:ea typeface="+mn-ea"/>
-          <a:cs typeface="+mn-cs"/>
+          <a:latin typeface="Avenir Next"/>
+          <a:ea typeface="Avenir Next"/>
+          <a:cs typeface="Avenir Next"/>
           <a:sym typeface="Avenir Next"/>
         </a:defRPr>
       </a:lvl8pPr>
-      <a:lvl9pPr marL="0" marR="0" indent="0" algn="ctr" defTabSz="825500" rtl="0" latinLnBrk="0">
+      <a:lvl9pPr marL="0" marR="0" indent="0" algn="l" defTabSz="825500" rtl="0" latinLnBrk="0">
         <a:lnSpc>
           <a:spcPct val="100000"/>
         </a:lnSpc>
@@ -2442,15 +2438,15 @@
             <a:srgbClr val="000000"/>
           </a:solidFill>
           <a:uFillTx/>
-          <a:latin typeface="+mn-lt"/>
-          <a:ea typeface="+mn-ea"/>
-          <a:cs typeface="+mn-cs"/>
+          <a:latin typeface="Avenir Next"/>
+          <a:ea typeface="Avenir Next"/>
+          <a:cs typeface="Avenir Next"/>
           <a:sym typeface="Avenir Next"/>
         </a:defRPr>
       </a:lvl9pPr>
     </p:titleStyle>
     <p:bodyStyle>
-      <a:lvl1pPr marL="635000" marR="0" indent="-635000" algn="l" defTabSz="825500" latinLnBrk="0">
+      <a:lvl1pPr marL="714373" marR="0" indent="-714373" algn="l" defTabSz="825500" rtl="0" latinLnBrk="0">
         <a:lnSpc>
           <a:spcPct val="100000"/>
         </a:lnSpc>
@@ -2465,18 +2461,18 @@
         <a:buFontTx/>
         <a:buChar char="•"/>
         <a:tabLst/>
-        <a:defRPr b="1" baseline="0" cap="none" i="0" spc="0" strike="noStrike" sz="5200" u="none">
+        <a:defRPr b="1" baseline="0" cap="none" i="0" spc="0" strike="noStrike" sz="5400" u="none">
           <a:solidFill>
             <a:srgbClr val="000000"/>
           </a:solidFill>
           <a:uFillTx/>
-          <a:latin typeface="+mn-lt"/>
-          <a:ea typeface="+mn-ea"/>
-          <a:cs typeface="+mn-cs"/>
+          <a:latin typeface="Avenir Next"/>
+          <a:ea typeface="Avenir Next"/>
+          <a:cs typeface="Avenir Next"/>
           <a:sym typeface="Avenir Next"/>
         </a:defRPr>
       </a:lvl1pPr>
-      <a:lvl2pPr marL="1270000" marR="0" indent="-635000" algn="l" defTabSz="825500" latinLnBrk="0">
+      <a:lvl2pPr marL="1425575" marR="0" indent="-714375" algn="l" defTabSz="825500" rtl="0" latinLnBrk="0">
         <a:lnSpc>
           <a:spcPct val="100000"/>
         </a:lnSpc>
@@ -2491,18 +2487,18 @@
         <a:buFontTx/>
         <a:buChar char="•"/>
         <a:tabLst/>
-        <a:defRPr b="1" baseline="0" cap="none" i="0" spc="0" strike="noStrike" sz="5200" u="none">
+        <a:defRPr b="1" baseline="0" cap="none" i="0" spc="0" strike="noStrike" sz="5400" u="none">
           <a:solidFill>
             <a:srgbClr val="000000"/>
           </a:solidFill>
           <a:uFillTx/>
-          <a:latin typeface="+mn-lt"/>
-          <a:ea typeface="+mn-ea"/>
-          <a:cs typeface="+mn-cs"/>
+          <a:latin typeface="Avenir Next"/>
+          <a:ea typeface="Avenir Next"/>
+          <a:cs typeface="Avenir Next"/>
           <a:sym typeface="Avenir Next"/>
         </a:defRPr>
       </a:lvl2pPr>
-      <a:lvl3pPr marL="1905000" marR="0" indent="-635000" algn="l" defTabSz="825500" latinLnBrk="0">
+      <a:lvl3pPr marL="2136775" marR="0" indent="-714375" algn="l" defTabSz="825500" rtl="0" latinLnBrk="0">
         <a:lnSpc>
           <a:spcPct val="100000"/>
         </a:lnSpc>
@@ -2517,18 +2513,18 @@
         <a:buFontTx/>
         <a:buChar char="•"/>
         <a:tabLst/>
-        <a:defRPr b="1" baseline="0" cap="none" i="0" spc="0" strike="noStrike" sz="5200" u="none">
+        <a:defRPr b="1" baseline="0" cap="none" i="0" spc="0" strike="noStrike" sz="5400" u="none">
           <a:solidFill>
             <a:srgbClr val="000000"/>
           </a:solidFill>
           <a:uFillTx/>
-          <a:latin typeface="+mn-lt"/>
-          <a:ea typeface="+mn-ea"/>
-          <a:cs typeface="+mn-cs"/>
+          <a:latin typeface="Avenir Next"/>
+          <a:ea typeface="Avenir Next"/>
+          <a:cs typeface="Avenir Next"/>
           <a:sym typeface="Avenir Next"/>
         </a:defRPr>
       </a:lvl3pPr>
-      <a:lvl4pPr marL="2540000" marR="0" indent="-635000" algn="l" defTabSz="825500" latinLnBrk="0">
+      <a:lvl4pPr marL="2847975" marR="0" indent="-714375" algn="l" defTabSz="825500" rtl="0" latinLnBrk="0">
         <a:lnSpc>
           <a:spcPct val="100000"/>
         </a:lnSpc>
@@ -2543,18 +2539,18 @@
         <a:buFontTx/>
         <a:buChar char="•"/>
         <a:tabLst/>
-        <a:defRPr b="1" baseline="0" cap="none" i="0" spc="0" strike="noStrike" sz="5200" u="none">
+        <a:defRPr b="1" baseline="0" cap="none" i="0" spc="0" strike="noStrike" sz="5400" u="none">
           <a:solidFill>
             <a:srgbClr val="000000"/>
           </a:solidFill>
           <a:uFillTx/>
-          <a:latin typeface="+mn-lt"/>
-          <a:ea typeface="+mn-ea"/>
-          <a:cs typeface="+mn-cs"/>
+          <a:latin typeface="Avenir Next"/>
+          <a:ea typeface="Avenir Next"/>
+          <a:cs typeface="Avenir Next"/>
           <a:sym typeface="Avenir Next"/>
         </a:defRPr>
       </a:lvl4pPr>
-      <a:lvl5pPr marL="3175000" marR="0" indent="-635000" algn="l" defTabSz="825500" latinLnBrk="0">
+      <a:lvl5pPr marL="3559175" marR="0" indent="-714375" algn="l" defTabSz="825500" rtl="0" latinLnBrk="0">
         <a:lnSpc>
           <a:spcPct val="100000"/>
         </a:lnSpc>
@@ -2569,18 +2565,18 @@
         <a:buFontTx/>
         <a:buChar char="•"/>
         <a:tabLst/>
-        <a:defRPr b="1" baseline="0" cap="none" i="0" spc="0" strike="noStrike" sz="5200" u="none">
+        <a:defRPr b="1" baseline="0" cap="none" i="0" spc="0" strike="noStrike" sz="5400" u="none">
           <a:solidFill>
             <a:srgbClr val="000000"/>
           </a:solidFill>
           <a:uFillTx/>
-          <a:latin typeface="+mn-lt"/>
-          <a:ea typeface="+mn-ea"/>
-          <a:cs typeface="+mn-cs"/>
+          <a:latin typeface="Avenir Next"/>
+          <a:ea typeface="Avenir Next"/>
+          <a:cs typeface="Avenir Next"/>
           <a:sym typeface="Avenir Next"/>
         </a:defRPr>
       </a:lvl5pPr>
-      <a:lvl6pPr marL="3810000" marR="0" indent="-635000" algn="l" defTabSz="825500" latinLnBrk="0">
+      <a:lvl6pPr marL="3834422" marR="0" indent="-659422" algn="l" defTabSz="825500" rtl="0" latinLnBrk="0">
         <a:lnSpc>
           <a:spcPct val="100000"/>
         </a:lnSpc>
@@ -2595,18 +2591,18 @@
         <a:buFontTx/>
         <a:buChar char="•"/>
         <a:tabLst/>
-        <a:defRPr b="1" baseline="0" cap="none" i="0" spc="0" strike="noStrike" sz="5200" u="none">
+        <a:defRPr b="1" baseline="0" cap="none" i="0" spc="0" strike="noStrike" sz="5400" u="none">
           <a:solidFill>
             <a:srgbClr val="000000"/>
           </a:solidFill>
           <a:uFillTx/>
-          <a:latin typeface="+mn-lt"/>
-          <a:ea typeface="+mn-ea"/>
-          <a:cs typeface="+mn-cs"/>
+          <a:latin typeface="Avenir Next"/>
+          <a:ea typeface="Avenir Next"/>
+          <a:cs typeface="Avenir Next"/>
           <a:sym typeface="Avenir Next"/>
         </a:defRPr>
       </a:lvl6pPr>
-      <a:lvl7pPr marL="4445000" marR="0" indent="-635000" algn="l" defTabSz="825500" latinLnBrk="0">
+      <a:lvl7pPr marL="4469422" marR="0" indent="-659422" algn="l" defTabSz="825500" rtl="0" latinLnBrk="0">
         <a:lnSpc>
           <a:spcPct val="100000"/>
         </a:lnSpc>
@@ -2621,18 +2617,18 @@
         <a:buFontTx/>
         <a:buChar char="•"/>
         <a:tabLst/>
-        <a:defRPr b="1" baseline="0" cap="none" i="0" spc="0" strike="noStrike" sz="5200" u="none">
+        <a:defRPr b="1" baseline="0" cap="none" i="0" spc="0" strike="noStrike" sz="5400" u="none">
           <a:solidFill>
             <a:srgbClr val="000000"/>
           </a:solidFill>
           <a:uFillTx/>
-          <a:latin typeface="+mn-lt"/>
-          <a:ea typeface="+mn-ea"/>
-          <a:cs typeface="+mn-cs"/>
+          <a:latin typeface="Avenir Next"/>
+          <a:ea typeface="Avenir Next"/>
+          <a:cs typeface="Avenir Next"/>
           <a:sym typeface="Avenir Next"/>
         </a:defRPr>
       </a:lvl7pPr>
-      <a:lvl8pPr marL="5080000" marR="0" indent="-635000" algn="l" defTabSz="825500" latinLnBrk="0">
+      <a:lvl8pPr marL="5104422" marR="0" indent="-659422" algn="l" defTabSz="825500" rtl="0" latinLnBrk="0">
         <a:lnSpc>
           <a:spcPct val="100000"/>
         </a:lnSpc>
@@ -2647,18 +2643,18 @@
         <a:buFontTx/>
         <a:buChar char="•"/>
         <a:tabLst/>
-        <a:defRPr b="1" baseline="0" cap="none" i="0" spc="0" strike="noStrike" sz="5200" u="none">
+        <a:defRPr b="1" baseline="0" cap="none" i="0" spc="0" strike="noStrike" sz="5400" u="none">
           <a:solidFill>
             <a:srgbClr val="000000"/>
           </a:solidFill>
           <a:uFillTx/>
-          <a:latin typeface="+mn-lt"/>
-          <a:ea typeface="+mn-ea"/>
-          <a:cs typeface="+mn-cs"/>
+          <a:latin typeface="Avenir Next"/>
+          <a:ea typeface="Avenir Next"/>
+          <a:cs typeface="Avenir Next"/>
           <a:sym typeface="Avenir Next"/>
         </a:defRPr>
       </a:lvl8pPr>
-      <a:lvl9pPr marL="5715000" marR="0" indent="-635000" algn="l" defTabSz="825500" latinLnBrk="0">
+      <a:lvl9pPr marL="5739422" marR="0" indent="-659422" algn="l" defTabSz="825500" rtl="0" latinLnBrk="0">
         <a:lnSpc>
           <a:spcPct val="100000"/>
         </a:lnSpc>
@@ -2673,20 +2669,20 @@
         <a:buFontTx/>
         <a:buChar char="•"/>
         <a:tabLst/>
-        <a:defRPr b="1" baseline="0" cap="none" i="0" spc="0" strike="noStrike" sz="5200" u="none">
+        <a:defRPr b="1" baseline="0" cap="none" i="0" spc="0" strike="noStrike" sz="5400" u="none">
           <a:solidFill>
             <a:srgbClr val="000000"/>
           </a:solidFill>
           <a:uFillTx/>
-          <a:latin typeface="+mn-lt"/>
-          <a:ea typeface="+mn-ea"/>
-          <a:cs typeface="+mn-cs"/>
+          <a:latin typeface="Avenir Next"/>
+          <a:ea typeface="Avenir Next"/>
+          <a:cs typeface="Avenir Next"/>
           <a:sym typeface="Avenir Next"/>
         </a:defRPr>
       </a:lvl9pPr>
     </p:bodyStyle>
     <p:otherStyle>
-      <a:lvl1pPr marL="0" marR="0" indent="0" algn="ctr" defTabSz="825500" latinLnBrk="0">
+      <a:lvl1pPr marL="0" marR="0" indent="0" algn="ctr" defTabSz="825500" rtl="0" latinLnBrk="0">
         <a:lnSpc>
           <a:spcPct val="100000"/>
         </a:lnSpc>
@@ -2712,7 +2708,7 @@
           <a:sym typeface="Helvetica Neue Light"/>
         </a:defRPr>
       </a:lvl1pPr>
-      <a:lvl2pPr marL="0" marR="0" indent="228600" algn="ctr" defTabSz="825500" latinLnBrk="0">
+      <a:lvl2pPr marL="0" marR="0" indent="0" algn="ctr" defTabSz="825500" rtl="0" latinLnBrk="0">
         <a:lnSpc>
           <a:spcPct val="100000"/>
         </a:lnSpc>
@@ -2738,7 +2734,7 @@
           <a:sym typeface="Helvetica Neue Light"/>
         </a:defRPr>
       </a:lvl2pPr>
-      <a:lvl3pPr marL="0" marR="0" indent="457200" algn="ctr" defTabSz="825500" latinLnBrk="0">
+      <a:lvl3pPr marL="0" marR="0" indent="0" algn="ctr" defTabSz="825500" rtl="0" latinLnBrk="0">
         <a:lnSpc>
           <a:spcPct val="100000"/>
         </a:lnSpc>
@@ -2764,7 +2760,7 @@
           <a:sym typeface="Helvetica Neue Light"/>
         </a:defRPr>
       </a:lvl3pPr>
-      <a:lvl4pPr marL="0" marR="0" indent="685800" algn="ctr" defTabSz="825500" latinLnBrk="0">
+      <a:lvl4pPr marL="0" marR="0" indent="0" algn="ctr" defTabSz="825500" rtl="0" latinLnBrk="0">
         <a:lnSpc>
           <a:spcPct val="100000"/>
         </a:lnSpc>
@@ -2790,7 +2786,7 @@
           <a:sym typeface="Helvetica Neue Light"/>
         </a:defRPr>
       </a:lvl4pPr>
-      <a:lvl5pPr marL="0" marR="0" indent="914400" algn="ctr" defTabSz="825500" latinLnBrk="0">
+      <a:lvl5pPr marL="0" marR="0" indent="0" algn="ctr" defTabSz="825500" rtl="0" latinLnBrk="0">
         <a:lnSpc>
           <a:spcPct val="100000"/>
         </a:lnSpc>
@@ -2816,7 +2812,7 @@
           <a:sym typeface="Helvetica Neue Light"/>
         </a:defRPr>
       </a:lvl5pPr>
-      <a:lvl6pPr marL="0" marR="0" indent="1143000" algn="ctr" defTabSz="825500" latinLnBrk="0">
+      <a:lvl6pPr marL="0" marR="0" indent="0" algn="ctr" defTabSz="825500" rtl="0" latinLnBrk="0">
         <a:lnSpc>
           <a:spcPct val="100000"/>
         </a:lnSpc>
@@ -2842,7 +2838,7 @@
           <a:sym typeface="Helvetica Neue Light"/>
         </a:defRPr>
       </a:lvl6pPr>
-      <a:lvl7pPr marL="0" marR="0" indent="1371600" algn="ctr" defTabSz="825500" latinLnBrk="0">
+      <a:lvl7pPr marL="0" marR="0" indent="0" algn="ctr" defTabSz="825500" rtl="0" latinLnBrk="0">
         <a:lnSpc>
           <a:spcPct val="100000"/>
         </a:lnSpc>
@@ -2868,7 +2864,7 @@
           <a:sym typeface="Helvetica Neue Light"/>
         </a:defRPr>
       </a:lvl7pPr>
-      <a:lvl8pPr marL="0" marR="0" indent="1600200" algn="ctr" defTabSz="825500" latinLnBrk="0">
+      <a:lvl8pPr marL="0" marR="0" indent="0" algn="ctr" defTabSz="825500" rtl="0" latinLnBrk="0">
         <a:lnSpc>
           <a:spcPct val="100000"/>
         </a:lnSpc>
@@ -2894,7 +2890,7 @@
           <a:sym typeface="Helvetica Neue Light"/>
         </a:defRPr>
       </a:lvl8pPr>
-      <a:lvl9pPr marL="0" marR="0" indent="1828800" algn="ctr" defTabSz="825500" latinLnBrk="0">
+      <a:lvl9pPr marL="0" marR="0" indent="0" algn="ctr" defTabSz="825500" rtl="0" latinLnBrk="0">
         <a:lnSpc>
           <a:spcPct val="100000"/>
         </a:lnSpc>
@@ -2978,8 +2974,8 @@
         </p:nvSpPr>
         <p:spPr>
           <a:xfrm>
-            <a:off x="1779441" y="7493000"/>
-            <a:ext cx="20825118" cy="0"/>
+            <a:off x="1779440" y="7493000"/>
+            <a:ext cx="20825120" cy="0"/>
           </a:xfrm>
           <a:prstGeom prst="line">
             <a:avLst/>
@@ -2992,23 +2988,10 @@
           </a:ln>
         </p:spPr>
         <p:txBody>
-          <a:bodyPr lIns="0" tIns="0" rIns="0" bIns="0" anchor="ctr"/>
+          <a:bodyPr lIns="45718" tIns="45718" rIns="45718" bIns="45718"/>
           <a:lstStyle/>
           <a:p>
-            <a:pPr algn="ctr">
-              <a:spcBef>
-                <a:spcPts val="0"/>
-              </a:spcBef>
-              <a:defRPr b="0" sz="3200">
-                <a:solidFill>
-                  <a:srgbClr val="FFFFFF"/>
-                </a:solidFill>
-                <a:latin typeface="Helvetica Neue Medium"/>
-                <a:ea typeface="Helvetica Neue Medium"/>
-                <a:cs typeface="Helvetica Neue Medium"/>
-                <a:sym typeface="Helvetica Neue Medium"/>
-              </a:defRPr>
-            </a:pPr>
+            <a:pPr/>
           </a:p>
         </p:txBody>
       </p:sp>
@@ -3020,8 +3003,8 @@
         </p:nvSpPr>
         <p:spPr>
           <a:xfrm>
-            <a:off x="16022570" y="762239"/>
-            <a:ext cx="6583430" cy="6095761"/>
+            <a:off x="16022569" y="762238"/>
+            <a:ext cx="6583431" cy="6095763"/>
           </a:xfrm>
           <a:prstGeom prst="rect">
             <a:avLst/>
@@ -3102,7 +3085,7 @@
         </p:nvSpPr>
         <p:spPr>
           <a:xfrm>
-            <a:off x="1778000" y="8608615"/>
+            <a:off x="1778000" y="8608614"/>
             <a:ext cx="10414000" cy="3860561"/>
           </a:xfrm>
           <a:prstGeom prst="rect">
@@ -3115,7 +3098,7 @@
           <a:p>
             <a:pPr/>
             <a:r>
-              <a:t>COGS 108 Winter 2020</a:t>
+              <a:t>COGS 108 Spring 2020</a:t>
             </a:r>
           </a:p>
           <a:p>
@@ -3140,8 +3123,8 @@
         </p:nvSpPr>
         <p:spPr>
           <a:xfrm>
-            <a:off x="12192000" y="8608615"/>
-            <a:ext cx="10860543" cy="3860561"/>
+            <a:off x="12191999" y="8608614"/>
+            <a:ext cx="10860545" cy="3860561"/>
           </a:xfrm>
           <a:prstGeom prst="rect">
             <a:avLst/>
@@ -3165,9 +3148,18 @@
               <a:spcBef>
                 <a:spcPts val="0"/>
               </a:spcBef>
+              <a:defRPr u="sng"/>
             </a:pPr>
             <a:r>
-              <a:rPr u="sng">
+              <a:rPr>
+                <a:solidFill>
+                  <a:srgbClr val="0000FF"/>
+                </a:solidFill>
+                <a:uFill>
+                  <a:solidFill>
+                    <a:srgbClr val="0000FF"/>
+                  </a:solidFill>
+                </a:uFill>
                 <a:hlinkClick r:id="rId2" invalidUrl="" action="" tgtFrame="" tooltip="" history="1" highlightClick="0" endSnd="0"/>
               </a:rPr>
               <a:t>wmccarthy@ucsd.edu</a:t>
@@ -3314,7 +3306,7 @@
           <a:bodyPr/>
           <a:lstStyle>
             <a:lvl1pPr defTabSz="734694">
-              <a:defRPr sz="9968"/>
+              <a:defRPr sz="9900"/>
             </a:lvl1pPr>
           </a:lstStyle>
           <a:p>
@@ -3354,6 +3346,14 @@
             </a:r>
             <a:r>
               <a:rPr u="sng">
+                <a:solidFill>
+                  <a:srgbClr val="0000FF"/>
+                </a:solidFill>
+                <a:uFill>
+                  <a:solidFill>
+                    <a:srgbClr val="0000FF"/>
+                  </a:solidFill>
+                </a:uFill>
                 <a:hlinkClick r:id="rId2" invalidUrl="" action="" tgtFrame="" tooltip="" history="1" highlightClick="0" endSnd="0"/>
               </a:rPr>
               <a:t>Data is Plural</a:t>
@@ -3469,23 +3469,14 @@
                             </p:childTnLst>
                           </p:cTn>
                         </p:par>
-                      </p:childTnLst>
-                    </p:cTn>
-                  </p:par>
-                  <p:par>
-                    <p:cTn id="9" fill="hold">
-                      <p:stCondLst>
-                        <p:cond delay="indefinite"/>
-                      </p:stCondLst>
-                      <p:childTnLst>
                         <p:par>
-                          <p:cTn id="10" fill="hold">
+                          <p:cTn id="9" fill="hold">
                             <p:stCondLst>
                               <p:cond delay="0"/>
                             </p:stCondLst>
                             <p:childTnLst>
                               <p:par>
-                                <p:cTn id="11" presetClass="entr" nodeType="clickEffect" presetSubtype="0" presetID="1" grpId="1" fill="hold">
+                                <p:cTn id="10" presetClass="entr" nodeType="afterEffect" presetSubtype="0" presetID="1" grpId="1" fill="hold">
                                   <p:stCondLst>
                                     <p:cond delay="0"/>
                                   </p:stCondLst>
@@ -3495,7 +3486,7 @@
                                   <p:childTnLst>
                                     <p:set>
                                       <p:cBhvr>
-                                        <p:cTn id="12" fill="hold"/>
+                                        <p:cTn id="11" fill="hold"/>
                                         <p:tgtEl>
                                           <p:spTgt spid="129">
                                             <p:txEl>
@@ -3521,19 +3512,19 @@
                     </p:cTn>
                   </p:par>
                   <p:par>
-                    <p:cTn id="13" fill="hold">
+                    <p:cTn id="12" fill="hold">
                       <p:stCondLst>
                         <p:cond delay="indefinite"/>
                       </p:stCondLst>
                       <p:childTnLst>
                         <p:par>
-                          <p:cTn id="14" fill="hold">
+                          <p:cTn id="13" fill="hold">
                             <p:stCondLst>
                               <p:cond delay="0"/>
                             </p:stCondLst>
                             <p:childTnLst>
                               <p:par>
-                                <p:cTn id="15" presetClass="entr" nodeType="clickEffect" presetSubtype="0" presetID="1" grpId="1" fill="hold">
+                                <p:cTn id="14" presetClass="entr" nodeType="clickEffect" presetSubtype="0" presetID="1" grpId="1" fill="hold">
                                   <p:stCondLst>
                                     <p:cond delay="0"/>
                                   </p:stCondLst>
@@ -3543,7 +3534,7 @@
                                   <p:childTnLst>
                                     <p:set>
                                       <p:cBhvr>
-                                        <p:cTn id="16" fill="hold"/>
+                                        <p:cTn id="15" fill="hold"/>
                                         <p:tgtEl>
                                           <p:spTgt spid="129">
                                             <p:txEl>
@@ -3569,19 +3560,19 @@
                     </p:cTn>
                   </p:par>
                   <p:par>
-                    <p:cTn id="17" fill="hold">
+                    <p:cTn id="16" fill="hold">
                       <p:stCondLst>
                         <p:cond delay="indefinite"/>
                       </p:stCondLst>
                       <p:childTnLst>
                         <p:par>
-                          <p:cTn id="18" fill="hold">
+                          <p:cTn id="17" fill="hold">
                             <p:stCondLst>
                               <p:cond delay="0"/>
                             </p:stCondLst>
                             <p:childTnLst>
                               <p:par>
-                                <p:cTn id="19" presetClass="entr" nodeType="clickEffect" presetSubtype="0" presetID="1" grpId="1" fill="hold">
+                                <p:cTn id="18" presetClass="entr" nodeType="clickEffect" presetSubtype="0" presetID="1" grpId="1" fill="hold">
                                   <p:stCondLst>
                                     <p:cond delay="0"/>
                                   </p:stCondLst>
@@ -3591,7 +3582,7 @@
                                   <p:childTnLst>
                                     <p:set>
                                       <p:cBhvr>
-                                        <p:cTn id="20" fill="hold"/>
+                                        <p:cTn id="19" fill="hold"/>
                                         <p:tgtEl>
                                           <p:spTgt spid="129">
                                             <p:txEl>
@@ -3617,19 +3608,19 @@
                     </p:cTn>
                   </p:par>
                   <p:par>
-                    <p:cTn id="21" fill="hold">
+                    <p:cTn id="20" fill="hold">
                       <p:stCondLst>
                         <p:cond delay="indefinite"/>
                       </p:stCondLst>
                       <p:childTnLst>
                         <p:par>
-                          <p:cTn id="22" fill="hold">
+                          <p:cTn id="21" fill="hold">
                             <p:stCondLst>
                               <p:cond delay="0"/>
                             </p:stCondLst>
                             <p:childTnLst>
                               <p:par>
-                                <p:cTn id="23" presetClass="entr" nodeType="clickEffect" presetSubtype="0" presetID="1" grpId="1" fill="hold">
+                                <p:cTn id="22" presetClass="entr" nodeType="clickEffect" presetSubtype="0" presetID="1" grpId="1" fill="hold">
                                   <p:stCondLst>
                                     <p:cond delay="0"/>
                                   </p:stCondLst>
@@ -3639,7 +3630,7 @@
                                   <p:childTnLst>
                                     <p:set>
                                       <p:cBhvr>
-                                        <p:cTn id="24" fill="hold"/>
+                                        <p:cTn id="23" fill="hold"/>
                                         <p:tgtEl>
                                           <p:spTgt spid="129">
                                             <p:txEl>
@@ -3754,7 +3745,7 @@
               <a:spcBef>
                 <a:spcPts val="3600"/>
               </a:spcBef>
-              <a:defRPr sz="4914"/>
+              <a:defRPr sz="4900"/>
             </a:pPr>
             <a:r>
               <a:t>Ask a question that would be interesting to a friend.</a:t>
@@ -3765,7 +3756,7 @@
               <a:spcBef>
                 <a:spcPts val="3600"/>
               </a:spcBef>
-              <a:defRPr sz="4914"/>
+              <a:defRPr sz="4900"/>
             </a:pPr>
             <a:r>
               <a:t>Many good questions relate two quantities that are not obviously related.</a:t>
@@ -3776,7 +3767,7 @@
               <a:spcBef>
                 <a:spcPts val="3600"/>
               </a:spcBef>
-              <a:defRPr sz="4914"/>
+              <a:defRPr sz="4900"/>
             </a:pPr>
             <a:r>
               <a:t>Boring: What’s the most common name in COGS 108?</a:t>
@@ -3787,7 +3778,7 @@
               <a:spcBef>
                 <a:spcPts val="3600"/>
               </a:spcBef>
-              <a:defRPr sz="4914"/>
+              <a:defRPr sz="4900"/>
             </a:pPr>
             <a:r>
               <a:t>Boring: Can you predict a person’s sex from their name?</a:t>
@@ -3798,7 +3789,7 @@
               <a:spcBef>
                 <a:spcPts val="3600"/>
               </a:spcBef>
-              <a:defRPr sz="4914"/>
+              <a:defRPr sz="4900"/>
             </a:pPr>
             <a:r>
               <a:t>Fun: Can you predict a person’s age from their name?</a:t>
@@ -3809,7 +3800,7 @@
               <a:spcBef>
                 <a:spcPts val="3600"/>
               </a:spcBef>
-              <a:defRPr sz="4914"/>
+              <a:defRPr sz="4900"/>
             </a:pPr>
             <a:r>
               <a:t>Fun: Can you predict a person’s sex from the last letter of their name?</a:t>
@@ -3904,23 +3895,14 @@
                             </p:childTnLst>
                           </p:cTn>
                         </p:par>
-                      </p:childTnLst>
-                    </p:cTn>
-                  </p:par>
-                  <p:par>
-                    <p:cTn id="9" fill="hold">
-                      <p:stCondLst>
-                        <p:cond delay="indefinite"/>
-                      </p:stCondLst>
-                      <p:childTnLst>
                         <p:par>
-                          <p:cTn id="10" fill="hold">
+                          <p:cTn id="9" fill="hold">
                             <p:stCondLst>
                               <p:cond delay="0"/>
                             </p:stCondLst>
                             <p:childTnLst>
                               <p:par>
-                                <p:cTn id="11" presetClass="entr" nodeType="clickEffect" presetSubtype="0" presetID="1" grpId="1" fill="hold">
+                                <p:cTn id="10" presetClass="entr" nodeType="afterEffect" presetSubtype="0" presetID="1" grpId="1" fill="hold">
                                   <p:stCondLst>
                                     <p:cond delay="0"/>
                                   </p:stCondLst>
@@ -3930,7 +3912,7 @@
                                   <p:childTnLst>
                                     <p:set>
                                       <p:cBhvr>
-                                        <p:cTn id="12" fill="hold"/>
+                                        <p:cTn id="11" fill="hold"/>
                                         <p:tgtEl>
                                           <p:spTgt spid="132">
                                             <p:txEl>
@@ -3956,19 +3938,19 @@
                     </p:cTn>
                   </p:par>
                   <p:par>
-                    <p:cTn id="13" fill="hold">
+                    <p:cTn id="12" fill="hold">
                       <p:stCondLst>
                         <p:cond delay="indefinite"/>
                       </p:stCondLst>
                       <p:childTnLst>
                         <p:par>
-                          <p:cTn id="14" fill="hold">
+                          <p:cTn id="13" fill="hold">
                             <p:stCondLst>
                               <p:cond delay="0"/>
                             </p:stCondLst>
                             <p:childTnLst>
                               <p:par>
-                                <p:cTn id="15" presetClass="entr" nodeType="clickEffect" presetSubtype="0" presetID="1" grpId="1" fill="hold">
+                                <p:cTn id="14" presetClass="entr" nodeType="clickEffect" presetSubtype="0" presetID="1" grpId="1" fill="hold">
                                   <p:stCondLst>
                                     <p:cond delay="0"/>
                                   </p:stCondLst>
@@ -3978,7 +3960,7 @@
                                   <p:childTnLst>
                                     <p:set>
                                       <p:cBhvr>
-                                        <p:cTn id="16" fill="hold"/>
+                                        <p:cTn id="15" fill="hold"/>
                                         <p:tgtEl>
                                           <p:spTgt spid="132">
                                             <p:txEl>
@@ -4004,19 +3986,19 @@
                     </p:cTn>
                   </p:par>
                   <p:par>
-                    <p:cTn id="17" fill="hold">
+                    <p:cTn id="16" fill="hold">
                       <p:stCondLst>
                         <p:cond delay="indefinite"/>
                       </p:stCondLst>
                       <p:childTnLst>
                         <p:par>
-                          <p:cTn id="18" fill="hold">
+                          <p:cTn id="17" fill="hold">
                             <p:stCondLst>
                               <p:cond delay="0"/>
                             </p:stCondLst>
                             <p:childTnLst>
                               <p:par>
-                                <p:cTn id="19" presetClass="entr" nodeType="clickEffect" presetSubtype="0" presetID="1" grpId="1" fill="hold">
+                                <p:cTn id="18" presetClass="entr" nodeType="clickEffect" presetSubtype="0" presetID="1" grpId="1" fill="hold">
                                   <p:stCondLst>
                                     <p:cond delay="0"/>
                                   </p:stCondLst>
@@ -4026,7 +4008,7 @@
                                   <p:childTnLst>
                                     <p:set>
                                       <p:cBhvr>
-                                        <p:cTn id="20" fill="hold"/>
+                                        <p:cTn id="19" fill="hold"/>
                                         <p:tgtEl>
                                           <p:spTgt spid="132">
                                             <p:txEl>
@@ -4052,19 +4034,19 @@
                     </p:cTn>
                   </p:par>
                   <p:par>
-                    <p:cTn id="21" fill="hold">
+                    <p:cTn id="20" fill="hold">
                       <p:stCondLst>
                         <p:cond delay="indefinite"/>
                       </p:stCondLst>
                       <p:childTnLst>
                         <p:par>
-                          <p:cTn id="22" fill="hold">
+                          <p:cTn id="21" fill="hold">
                             <p:stCondLst>
                               <p:cond delay="0"/>
                             </p:stCondLst>
                             <p:childTnLst>
                               <p:par>
-                                <p:cTn id="23" presetClass="entr" nodeType="clickEffect" presetSubtype="0" presetID="1" grpId="1" fill="hold">
+                                <p:cTn id="22" presetClass="entr" nodeType="clickEffect" presetSubtype="0" presetID="1" grpId="1" fill="hold">
                                   <p:stCondLst>
                                     <p:cond delay="0"/>
                                   </p:stCondLst>
@@ -4074,7 +4056,7 @@
                                   <p:childTnLst>
                                     <p:set>
                                       <p:cBhvr>
-                                        <p:cTn id="24" fill="hold"/>
+                                        <p:cTn id="23" fill="hold"/>
                                         <p:tgtEl>
                                           <p:spTgt spid="132">
                                             <p:txEl>
@@ -4100,19 +4082,19 @@
                     </p:cTn>
                   </p:par>
                   <p:par>
-                    <p:cTn id="25" fill="hold">
+                    <p:cTn id="24" fill="hold">
                       <p:stCondLst>
                         <p:cond delay="indefinite"/>
                       </p:stCondLst>
                       <p:childTnLst>
                         <p:par>
-                          <p:cTn id="26" fill="hold">
+                          <p:cTn id="25" fill="hold">
                             <p:stCondLst>
                               <p:cond delay="0"/>
                             </p:stCondLst>
                             <p:childTnLst>
                               <p:par>
-                                <p:cTn id="27" presetClass="entr" nodeType="clickEffect" presetSubtype="0" presetID="1" grpId="1" fill="hold">
+                                <p:cTn id="26" presetClass="entr" nodeType="clickEffect" presetSubtype="0" presetID="1" grpId="1" fill="hold">
                                   <p:stCondLst>
                                     <p:cond delay="0"/>
                                   </p:stCondLst>
@@ -4122,7 +4104,7 @@
                                   <p:childTnLst>
                                     <p:set>
                                       <p:cBhvr>
-                                        <p:cTn id="28" fill="hold"/>
+                                        <p:cTn id="27" fill="hold"/>
                                         <p:tgtEl>
                                           <p:spTgt spid="132">
                                             <p:txEl>
@@ -4203,7 +4185,7 @@
         <p:spPr>
           <a:xfrm>
             <a:off x="1778000" y="3085729"/>
-            <a:ext cx="20828000" cy="7544542"/>
+            <a:ext cx="20828000" cy="7544543"/>
           </a:xfrm>
           <a:prstGeom prst="rect">
             <a:avLst/>
@@ -4214,7 +4196,7 @@
           <a:lstStyle/>
           <a:p>
             <a:pPr defTabSz="553084">
-              <a:defRPr sz="7504"/>
+              <a:defRPr sz="7500"/>
             </a:pPr>
             <a:r>
               <a:t>Baby names demo:</a:t>
@@ -4222,10 +4204,18 @@
           </a:p>
           <a:p>
             <a:pPr defTabSz="553084">
-              <a:defRPr sz="7504"/>
+              <a:defRPr sz="7500" u="sng"/>
             </a:pPr>
             <a:r>
-              <a:rPr u="sng">
+              <a:rPr>
+                <a:solidFill>
+                  <a:srgbClr val="0000FF"/>
+                </a:solidFill>
+                <a:uFill>
+                  <a:solidFill>
+                    <a:srgbClr val="0000FF"/>
+                  </a:solidFill>
+                </a:uFill>
                 <a:hlinkClick r:id="rId2" invalidUrl="" action="" tgtFrame="" tooltip="" history="1" highlightClick="0" endSnd="0"/>
               </a:rPr>
               <a:t>https://github.com/COGS108/Section-Sp20/blob/master/Will/disc03/disc03.ipynb</a:t>
@@ -4233,12 +4223,12 @@
           </a:p>
           <a:p>
             <a:pPr defTabSz="553084">
-              <a:defRPr sz="7504"/>
+              <a:defRPr sz="7500"/>
             </a:pPr>
           </a:p>
           <a:p>
             <a:pPr defTabSz="553084">
-              <a:defRPr sz="7504"/>
+              <a:defRPr sz="7500"/>
             </a:pPr>
             <a:r>
               <a:t>[We will also recap Pandas here]</a:t>
@@ -4254,7 +4244,7 @@
         </p:nvSpPr>
         <p:spPr>
           <a:xfrm>
-            <a:off x="5718048" y="12584986"/>
+            <a:off x="5718047" y="12584986"/>
             <a:ext cx="12947905" cy="520701"/>
           </a:xfrm>
           <a:prstGeom prst="rect">
@@ -4286,6 +4276,14 @@
             </a:r>
             <a:r>
               <a:rPr u="sng">
+                <a:solidFill>
+                  <a:srgbClr val="0000FF"/>
+                </a:solidFill>
+                <a:uFill>
+                  <a:solidFill>
+                    <a:srgbClr val="0000FF"/>
+                  </a:solidFill>
+                </a:uFill>
                 <a:hlinkClick r:id="rId3" invalidUrl="" action="" tgtFrame="" tooltip="" history="1" highlightClick="0" endSnd="0"/>
               </a:rPr>
               <a:t>https://www.textbook.ds100.org/ch/01/lifecycle_intro.html</a:t>
@@ -4339,7 +4337,7 @@
           <a:bodyPr/>
           <a:lstStyle>
             <a:lvl1pPr defTabSz="462280">
-              <a:defRPr sz="6272"/>
+              <a:defRPr sz="6200"/>
             </a:lvl1pPr>
           </a:lstStyle>
           <a:p>
@@ -4371,7 +4369,7 @@
               <a:spcBef>
                 <a:spcPts val="3800"/>
               </a:spcBef>
-              <a:defRPr sz="5130"/>
+              <a:defRPr sz="5100"/>
             </a:pPr>
             <a:r>
               <a:t>Does China primarily loan to countries with low GDP? Or countries that are military / economic allies?</a:t>
@@ -4382,7 +4380,7 @@
               <a:spcBef>
                 <a:spcPts val="3800"/>
               </a:spcBef>
-              <a:defRPr sz="5130"/>
+              <a:defRPr sz="5100"/>
             </a:pPr>
             <a:r>
               <a:t>Are there more radio stations per capita for mountainous areas?</a:t>
@@ -4393,7 +4391,7 @@
               <a:spcBef>
                 <a:spcPts val="3800"/>
               </a:spcBef>
-              <a:defRPr sz="5130"/>
+              <a:defRPr sz="5100"/>
             </a:pPr>
             <a:r>
               <a:t>Do cities with more disconnected streets have worse health conditions?</a:t>
@@ -4404,7 +4402,7 @@
               <a:spcBef>
                 <a:spcPts val="3800"/>
               </a:spcBef>
-              <a:defRPr sz="5130"/>
+              <a:defRPr sz="5100"/>
             </a:pPr>
             <a:r>
               <a:t>Are cannabis testing labs consistent with each other?</a:t>
@@ -4415,7 +4413,7 @@
               <a:spcBef>
                 <a:spcPts val="3800"/>
               </a:spcBef>
-              <a:defRPr sz="5130"/>
+              <a:defRPr sz="5100"/>
             </a:pPr>
             <a:r>
               <a:t>Does the number of backyard ice skating rinks change with global temperature patterns?</a:t>
@@ -4510,23 +4508,14 @@
                             </p:childTnLst>
                           </p:cTn>
                         </p:par>
-                      </p:childTnLst>
-                    </p:cTn>
-                  </p:par>
-                  <p:par>
-                    <p:cTn id="9" fill="hold">
-                      <p:stCondLst>
-                        <p:cond delay="indefinite"/>
-                      </p:stCondLst>
-                      <p:childTnLst>
                         <p:par>
-                          <p:cTn id="10" fill="hold">
+                          <p:cTn id="9" fill="hold">
                             <p:stCondLst>
                               <p:cond delay="0"/>
                             </p:stCondLst>
                             <p:childTnLst>
                               <p:par>
-                                <p:cTn id="11" presetClass="entr" nodeType="clickEffect" presetSubtype="0" presetID="1" grpId="1" fill="hold">
+                                <p:cTn id="10" presetClass="entr" nodeType="afterEffect" presetSubtype="0" presetID="1" grpId="1" fill="hold">
                                   <p:stCondLst>
                                     <p:cond delay="0"/>
                                   </p:stCondLst>
@@ -4536,7 +4525,7 @@
                                   <p:childTnLst>
                                     <p:set>
                                       <p:cBhvr>
-                                        <p:cTn id="12" fill="hold"/>
+                                        <p:cTn id="11" fill="hold"/>
                                         <p:tgtEl>
                                           <p:spTgt spid="138">
                                             <p:txEl>
@@ -4562,19 +4551,19 @@
                     </p:cTn>
                   </p:par>
                   <p:par>
-                    <p:cTn id="13" fill="hold">
+                    <p:cTn id="12" fill="hold">
                       <p:stCondLst>
                         <p:cond delay="indefinite"/>
                       </p:stCondLst>
                       <p:childTnLst>
                         <p:par>
-                          <p:cTn id="14" fill="hold">
+                          <p:cTn id="13" fill="hold">
                             <p:stCondLst>
                               <p:cond delay="0"/>
                             </p:stCondLst>
                             <p:childTnLst>
                               <p:par>
-                                <p:cTn id="15" presetClass="entr" nodeType="clickEffect" presetSubtype="0" presetID="1" grpId="1" fill="hold">
+                                <p:cTn id="14" presetClass="entr" nodeType="clickEffect" presetSubtype="0" presetID="1" grpId="1" fill="hold">
                                   <p:stCondLst>
                                     <p:cond delay="0"/>
                                   </p:stCondLst>
@@ -4584,7 +4573,7 @@
                                   <p:childTnLst>
                                     <p:set>
                                       <p:cBhvr>
-                                        <p:cTn id="16" fill="hold"/>
+                                        <p:cTn id="15" fill="hold"/>
                                         <p:tgtEl>
                                           <p:spTgt spid="138">
                                             <p:txEl>
@@ -4610,19 +4599,19 @@
                     </p:cTn>
                   </p:par>
                   <p:par>
-                    <p:cTn id="17" fill="hold">
+                    <p:cTn id="16" fill="hold">
                       <p:stCondLst>
                         <p:cond delay="indefinite"/>
                       </p:stCondLst>
                       <p:childTnLst>
                         <p:par>
-                          <p:cTn id="18" fill="hold">
+                          <p:cTn id="17" fill="hold">
                             <p:stCondLst>
                               <p:cond delay="0"/>
                             </p:stCondLst>
                             <p:childTnLst>
                               <p:par>
-                                <p:cTn id="19" presetClass="entr" nodeType="clickEffect" presetSubtype="0" presetID="1" grpId="1" fill="hold">
+                                <p:cTn id="18" presetClass="entr" nodeType="clickEffect" presetSubtype="0" presetID="1" grpId="1" fill="hold">
                                   <p:stCondLst>
                                     <p:cond delay="0"/>
                                   </p:stCondLst>
@@ -4632,7 +4621,7 @@
                                   <p:childTnLst>
                                     <p:set>
                                       <p:cBhvr>
-                                        <p:cTn id="20" fill="hold"/>
+                                        <p:cTn id="19" fill="hold"/>
                                         <p:tgtEl>
                                           <p:spTgt spid="138">
                                             <p:txEl>
@@ -4658,19 +4647,19 @@
                     </p:cTn>
                   </p:par>
                   <p:par>
-                    <p:cTn id="21" fill="hold">
+                    <p:cTn id="20" fill="hold">
                       <p:stCondLst>
                         <p:cond delay="indefinite"/>
                       </p:stCondLst>
                       <p:childTnLst>
                         <p:par>
-                          <p:cTn id="22" fill="hold">
+                          <p:cTn id="21" fill="hold">
                             <p:stCondLst>
                               <p:cond delay="0"/>
                             </p:stCondLst>
                             <p:childTnLst>
                               <p:par>
-                                <p:cTn id="23" presetClass="entr" nodeType="clickEffect" presetSubtype="0" presetID="1" grpId="1" fill="hold">
+                                <p:cTn id="22" presetClass="entr" nodeType="clickEffect" presetSubtype="0" presetID="1" grpId="1" fill="hold">
                                   <p:stCondLst>
                                     <p:cond delay="0"/>
                                   </p:stCondLst>
@@ -4680,7 +4669,7 @@
                                   <p:childTnLst>
                                     <p:set>
                                       <p:cBhvr>
-                                        <p:cTn id="24" fill="hold"/>
+                                        <p:cTn id="23" fill="hold"/>
                                         <p:tgtEl>
                                           <p:spTgt spid="138">
                                             <p:txEl>
@@ -4772,7 +4761,7 @@
           <a:lstStyle/>
           <a:p>
             <a:pPr defTabSz="792479">
-              <a:defRPr sz="10752"/>
+              <a:defRPr sz="10700"/>
             </a:pPr>
             <a:r>
               <a:t>Rest of time:</a:t>
@@ -4784,12 +4773,12 @@
           </a:p>
           <a:p>
             <a:pPr defTabSz="792479">
-              <a:defRPr sz="10752"/>
+              <a:defRPr sz="10700"/>
             </a:pPr>
           </a:p>
           <a:p>
             <a:pPr defTabSz="792479">
-              <a:defRPr sz="10752"/>
+              <a:defRPr sz="10700"/>
             </a:pPr>
             <a:r>
               <a:t>I will </a:t>
@@ -4877,33 +4866,25 @@
           <a:bodyPr anchor="t"/>
           <a:lstStyle/>
           <a:p>
-            <a:pPr marL="714374" indent="-714374">
-              <a:defRPr sz="5400"/>
-            </a:pPr>
+            <a:pPr/>
             <a:r>
               <a:t>Difference between pandas DataFrames and Series.</a:t>
             </a:r>
           </a:p>
           <a:p>
-            <a:pPr marL="714374" indent="-714374">
-              <a:defRPr sz="5400"/>
-            </a:pPr>
+            <a:pPr/>
             <a:r>
               <a:t>How to use Google to solve problems on A2.</a:t>
             </a:r>
           </a:p>
           <a:p>
-            <a:pPr marL="714374" indent="-714374">
-              <a:defRPr sz="5400"/>
-            </a:pPr>
+            <a:pPr/>
             <a:r>
               <a:t>How to read the pandas documentation.</a:t>
             </a:r>
           </a:p>
           <a:p>
-            <a:pPr marL="714374" indent="-714374">
-              <a:defRPr sz="5400"/>
-            </a:pPr>
+            <a:pPr/>
             <a:r>
               <a:t>A2 problem walkthroughs.</a:t>
             </a:r>
@@ -4928,8 +4909,8 @@
         </p:blipFill>
         <p:spPr>
           <a:xfrm>
-            <a:off x="11735360" y="2641600"/>
-            <a:ext cx="11976101" cy="7023100"/>
+            <a:off x="11735359" y="2641600"/>
+            <a:ext cx="11976102" cy="7023100"/>
           </a:xfrm>
           <a:prstGeom prst="rect">
             <a:avLst/>
@@ -4947,17 +4928,15 @@
         </p:nvSpPr>
         <p:spPr>
           <a:xfrm>
-            <a:off x="13379298" y="2468868"/>
-            <a:ext cx="4937774" cy="941513"/>
+            <a:off x="13379297" y="2468867"/>
+            <a:ext cx="4937776" cy="941514"/>
           </a:xfrm>
           <a:prstGeom prst="rect">
             <a:avLst/>
           </a:prstGeom>
           <a:ln w="63500">
             <a:solidFill>
-              <a:schemeClr val="accent5">
-                <a:lumOff val="-29866"/>
-              </a:schemeClr>
+              <a:srgbClr val="B51600"/>
             </a:solidFill>
             <a:miter lim="400000"/>
           </a:ln>
@@ -5001,8 +4980,8 @@
         </p:blipFill>
         <p:spPr>
           <a:xfrm>
-            <a:off x="11582960" y="6550570"/>
-            <a:ext cx="12280901" cy="7581901"/>
+            <a:off x="11582959" y="6550569"/>
+            <a:ext cx="12280902" cy="7581902"/>
           </a:xfrm>
           <a:prstGeom prst="rect">
             <a:avLst/>
@@ -5021,16 +5000,14 @@
         <p:spPr>
           <a:xfrm>
             <a:off x="13168811" y="6387243"/>
-            <a:ext cx="4937775" cy="941514"/>
+            <a:ext cx="4937776" cy="941515"/>
           </a:xfrm>
           <a:prstGeom prst="rect">
             <a:avLst/>
           </a:prstGeom>
           <a:ln w="63500">
             <a:solidFill>
-              <a:schemeClr val="accent5">
-                <a:lumOff val="-29866"/>
-              </a:schemeClr>
+              <a:srgbClr val="B51600"/>
             </a:solidFill>
             <a:miter lim="400000"/>
           </a:ln>
@@ -5143,23 +5120,14 @@
                             </p:childTnLst>
                           </p:cTn>
                         </p:par>
-                      </p:childTnLst>
-                    </p:cTn>
-                  </p:par>
-                  <p:par>
-                    <p:cTn id="9" fill="hold">
-                      <p:stCondLst>
-                        <p:cond delay="indefinite"/>
-                      </p:stCondLst>
-                      <p:childTnLst>
                         <p:par>
-                          <p:cTn id="10" fill="hold">
+                          <p:cTn id="9" fill="hold">
                             <p:stCondLst>
                               <p:cond delay="0"/>
                             </p:stCondLst>
                             <p:childTnLst>
                               <p:par>
-                                <p:cTn id="11" presetClass="entr" nodeType="clickEffect" presetSubtype="0" presetID="1" grpId="1" fill="hold">
+                                <p:cTn id="10" presetClass="entr" nodeType="afterEffect" presetSubtype="0" presetID="1" grpId="1" fill="hold">
                                   <p:stCondLst>
                                     <p:cond delay="0"/>
                                   </p:stCondLst>
@@ -5169,7 +5137,7 @@
                                   <p:childTnLst>
                                     <p:set>
                                       <p:cBhvr>
-                                        <p:cTn id="12" fill="hold"/>
+                                        <p:cTn id="11" fill="hold"/>
                                         <p:tgtEl>
                                           <p:spTgt spid="143">
                                             <p:txEl>
@@ -5195,19 +5163,19 @@
                     </p:cTn>
                   </p:par>
                   <p:par>
-                    <p:cTn id="13" fill="hold">
+                    <p:cTn id="12" fill="hold">
                       <p:stCondLst>
                         <p:cond delay="indefinite"/>
                       </p:stCondLst>
                       <p:childTnLst>
                         <p:par>
-                          <p:cTn id="14" fill="hold">
+                          <p:cTn id="13" fill="hold">
                             <p:stCondLst>
                               <p:cond delay="0"/>
                             </p:stCondLst>
                             <p:childTnLst>
                               <p:par>
-                                <p:cTn id="15" presetClass="entr" nodeType="clickEffect" presetSubtype="0" presetID="1" grpId="1" fill="hold">
+                                <p:cTn id="14" presetClass="entr" nodeType="clickEffect" presetSubtype="0" presetID="1" grpId="1" fill="hold">
                                   <p:stCondLst>
                                     <p:cond delay="0"/>
                                   </p:stCondLst>
@@ -5217,7 +5185,7 @@
                                   <p:childTnLst>
                                     <p:set>
                                       <p:cBhvr>
-                                        <p:cTn id="16" fill="hold"/>
+                                        <p:cTn id="15" fill="hold"/>
                                         <p:tgtEl>
                                           <p:spTgt spid="143">
                                             <p:txEl>
@@ -5243,19 +5211,19 @@
                     </p:cTn>
                   </p:par>
                   <p:par>
-                    <p:cTn id="17" fill="hold">
+                    <p:cTn id="16" fill="hold">
                       <p:stCondLst>
                         <p:cond delay="indefinite"/>
                       </p:stCondLst>
                       <p:childTnLst>
                         <p:par>
-                          <p:cTn id="18" fill="hold">
+                          <p:cTn id="17" fill="hold">
                             <p:stCondLst>
                               <p:cond delay="0"/>
                             </p:stCondLst>
                             <p:childTnLst>
                               <p:par>
-                                <p:cTn id="19" presetClass="entr" nodeType="clickEffect" presetSubtype="0" presetID="1" grpId="1" fill="hold">
+                                <p:cTn id="18" presetClass="entr" nodeType="clickEffect" presetSubtype="0" presetID="1" grpId="1" fill="hold">
                                   <p:stCondLst>
                                     <p:cond delay="0"/>
                                   </p:stCondLst>
@@ -5265,7 +5233,7 @@
                                   <p:childTnLst>
                                     <p:set>
                                       <p:cBhvr>
-                                        <p:cTn id="20" fill="hold"/>
+                                        <p:cTn id="19" fill="hold"/>
                                         <p:tgtEl>
                                           <p:spTgt spid="143">
                                             <p:txEl>
@@ -5329,10 +5297,10 @@
         <a:srgbClr val="FFFFFF"/>
       </a:lt1>
       <a:dk2>
-        <a:srgbClr val="5E5E5E"/>
+        <a:srgbClr val="A7A7A7"/>
       </a:dk2>
       <a:lt2>
-        <a:srgbClr val="D5D5D5"/>
+        <a:srgbClr val="535353"/>
       </a:lt2>
       <a:accent1>
         <a:srgbClr val="00A2FF"/>
@@ -5361,14 +5329,14 @@
     </a:clrScheme>
     <a:fontScheme name="White">
       <a:majorFont>
-        <a:latin typeface="Avenir Next"/>
-        <a:ea typeface="Avenir Next"/>
-        <a:cs typeface="Avenir Next"/>
+        <a:latin typeface="Helvetica Neue"/>
+        <a:ea typeface="Helvetica Neue"/>
+        <a:cs typeface="Helvetica Neue"/>
       </a:majorFont>
       <a:minorFont>
-        <a:latin typeface="Avenir Next"/>
-        <a:ea typeface="Avenir Next"/>
-        <a:cs typeface="Avenir Next"/>
+        <a:latin typeface="Helvetica"/>
+        <a:ea typeface="Helvetica"/>
+        <a:cs typeface="Helvetica"/>
       </a:minorFont>
     </a:fontScheme>
     <a:fmtScheme name="White">
@@ -5509,11 +5477,14 @@
     <a:spDef>
       <a:spPr>
         <a:solidFill>
-          <a:schemeClr val="accent1"/>
+          <a:srgbClr val="FFFFFF"/>
         </a:solidFill>
-        <a:ln w="12700" cap="flat">
-          <a:noFill/>
-          <a:miter lim="400000"/>
+        <a:ln w="25400" cap="flat">
+          <a:solidFill>
+            <a:schemeClr val="accent1"/>
+          </a:solidFill>
+          <a:prstDash val="solid"/>
+          <a:round/>
         </a:ln>
         <a:effectLst/>
         <a:sp3d/>
@@ -5522,12 +5493,12 @@
         <a:spAutoFit/>
       </a:bodyPr>
       <a:lstStyle>
-        <a:defPPr marL="0" marR="0" indent="0" algn="ctr" defTabSz="825500" rtl="0" fontAlgn="auto" latinLnBrk="0" hangingPunct="0">
+        <a:defPPr marL="0" marR="0" indent="0" algn="l" defTabSz="825500" rtl="0" fontAlgn="auto" latinLnBrk="0" hangingPunct="0">
           <a:lnSpc>
             <a:spcPct val="100000"/>
           </a:lnSpc>
           <a:spcBef>
-            <a:spcPts val="0"/>
+            <a:spcPts val="5400"/>
           </a:spcBef>
           <a:spcAft>
             <a:spcPts val="0"/>
@@ -5537,19 +5508,19 @@
           <a:buFontTx/>
           <a:buNone/>
           <a:tabLst/>
-          <a:defRPr b="0" baseline="0" cap="none" i="0" spc="0" strike="noStrike" sz="3200" u="none" kumimoji="0" normalizeH="0">
+          <a:defRPr b="1" baseline="0" cap="none" i="0" spc="0" strike="noStrike" sz="5400" u="none" kumimoji="0" normalizeH="0">
             <a:ln>
               <a:noFill/>
             </a:ln>
             <a:solidFill>
-              <a:srgbClr val="FFFFFF"/>
+              <a:srgbClr val="000000"/>
             </a:solidFill>
             <a:effectLst/>
             <a:uFillTx/>
-            <a:latin typeface="Helvetica Neue Medium"/>
-            <a:ea typeface="Helvetica Neue Medium"/>
-            <a:cs typeface="Helvetica Neue Medium"/>
-            <a:sym typeface="Helvetica Neue Medium"/>
+            <a:latin typeface="Avenir Next"/>
+            <a:ea typeface="Avenir Next"/>
+            <a:cs typeface="Avenir Next"/>
+            <a:sym typeface="Avenir Next"/>
           </a:defRPr>
         </a:defPPr>
         <a:lvl1pPr marL="0" marR="0" indent="0" algn="l" defTabSz="914400" rtl="0" fontAlgn="auto" latinLnBrk="1" hangingPunct="0">
@@ -5799,10 +5770,10 @@
         <a:noFill/>
         <a:ln w="25400" cap="flat">
           <a:solidFill>
-            <a:srgbClr val="000000"/>
+            <a:schemeClr val="accent1"/>
           </a:solidFill>
           <a:prstDash val="solid"/>
-          <a:miter lim="400000"/>
+          <a:round/>
         </a:ln>
         <a:effectLst/>
         <a:sp3d/>
@@ -6117,9 +6088,9 @@
             </a:solidFill>
             <a:effectLst/>
             <a:uFillTx/>
-            <a:latin typeface="+mn-lt"/>
-            <a:ea typeface="+mn-ea"/>
-            <a:cs typeface="+mn-cs"/>
+            <a:latin typeface="Avenir Next"/>
+            <a:ea typeface="Avenir Next"/>
+            <a:cs typeface="Avenir Next"/>
             <a:sym typeface="Avenir Next"/>
           </a:defRPr>
         </a:defPPr>
@@ -6380,10 +6351,10 @@
         <a:srgbClr val="FFFFFF"/>
       </a:lt1>
       <a:dk2>
-        <a:srgbClr val="5E5E5E"/>
+        <a:srgbClr val="A7A7A7"/>
       </a:dk2>
       <a:lt2>
-        <a:srgbClr val="D5D5D5"/>
+        <a:srgbClr val="535353"/>
       </a:lt2>
       <a:accent1>
         <a:srgbClr val="00A2FF"/>
@@ -6412,14 +6383,14 @@
     </a:clrScheme>
     <a:fontScheme name="White">
       <a:majorFont>
-        <a:latin typeface="Avenir Next"/>
-        <a:ea typeface="Avenir Next"/>
-        <a:cs typeface="Avenir Next"/>
+        <a:latin typeface="Helvetica Neue"/>
+        <a:ea typeface="Helvetica Neue"/>
+        <a:cs typeface="Helvetica Neue"/>
       </a:majorFont>
       <a:minorFont>
-        <a:latin typeface="Avenir Next"/>
-        <a:ea typeface="Avenir Next"/>
-        <a:cs typeface="Avenir Next"/>
+        <a:latin typeface="Helvetica"/>
+        <a:ea typeface="Helvetica"/>
+        <a:cs typeface="Helvetica"/>
       </a:minorFont>
     </a:fontScheme>
     <a:fmtScheme name="White">
@@ -6560,11 +6531,14 @@
     <a:spDef>
       <a:spPr>
         <a:solidFill>
-          <a:schemeClr val="accent1"/>
+          <a:srgbClr val="FFFFFF"/>
         </a:solidFill>
-        <a:ln w="12700" cap="flat">
-          <a:noFill/>
-          <a:miter lim="400000"/>
+        <a:ln w="25400" cap="flat">
+          <a:solidFill>
+            <a:schemeClr val="accent1"/>
+          </a:solidFill>
+          <a:prstDash val="solid"/>
+          <a:round/>
         </a:ln>
         <a:effectLst/>
         <a:sp3d/>
@@ -6573,12 +6547,12 @@
         <a:spAutoFit/>
       </a:bodyPr>
       <a:lstStyle>
-        <a:defPPr marL="0" marR="0" indent="0" algn="ctr" defTabSz="825500" rtl="0" fontAlgn="auto" latinLnBrk="0" hangingPunct="0">
+        <a:defPPr marL="0" marR="0" indent="0" algn="l" defTabSz="825500" rtl="0" fontAlgn="auto" latinLnBrk="0" hangingPunct="0">
           <a:lnSpc>
             <a:spcPct val="100000"/>
           </a:lnSpc>
           <a:spcBef>
-            <a:spcPts val="0"/>
+            <a:spcPts val="5400"/>
           </a:spcBef>
           <a:spcAft>
             <a:spcPts val="0"/>
@@ -6588,19 +6562,19 @@
           <a:buFontTx/>
           <a:buNone/>
           <a:tabLst/>
-          <a:defRPr b="0" baseline="0" cap="none" i="0" spc="0" strike="noStrike" sz="3200" u="none" kumimoji="0" normalizeH="0">
+          <a:defRPr b="1" baseline="0" cap="none" i="0" spc="0" strike="noStrike" sz="5400" u="none" kumimoji="0" normalizeH="0">
             <a:ln>
               <a:noFill/>
             </a:ln>
             <a:solidFill>
-              <a:srgbClr val="FFFFFF"/>
+              <a:srgbClr val="000000"/>
             </a:solidFill>
             <a:effectLst/>
             <a:uFillTx/>
-            <a:latin typeface="Helvetica Neue Medium"/>
-            <a:ea typeface="Helvetica Neue Medium"/>
-            <a:cs typeface="Helvetica Neue Medium"/>
-            <a:sym typeface="Helvetica Neue Medium"/>
+            <a:latin typeface="Avenir Next"/>
+            <a:ea typeface="Avenir Next"/>
+            <a:cs typeface="Avenir Next"/>
+            <a:sym typeface="Avenir Next"/>
           </a:defRPr>
         </a:defPPr>
         <a:lvl1pPr marL="0" marR="0" indent="0" algn="l" defTabSz="914400" rtl="0" fontAlgn="auto" latinLnBrk="1" hangingPunct="0">
@@ -6850,10 +6824,10 @@
         <a:noFill/>
         <a:ln w="25400" cap="flat">
           <a:solidFill>
-            <a:srgbClr val="000000"/>
+            <a:schemeClr val="accent1"/>
           </a:solidFill>
           <a:prstDash val="solid"/>
-          <a:miter lim="400000"/>
+          <a:round/>
         </a:ln>
         <a:effectLst/>
         <a:sp3d/>
@@ -7168,9 +7142,9 @@
             </a:solidFill>
             <a:effectLst/>
             <a:uFillTx/>
-            <a:latin typeface="+mn-lt"/>
-            <a:ea typeface="+mn-ea"/>
-            <a:cs typeface="+mn-cs"/>
+            <a:latin typeface="Avenir Next"/>
+            <a:ea typeface="Avenir Next"/>
+            <a:cs typeface="Avenir Next"/>
             <a:sym typeface="Avenir Next"/>
           </a:defRPr>
         </a:defPPr>
